--- a/Slides/20486Core_08.pptx
+++ b/Slides/20486Core_08.pptx
@@ -42,39 +42,39 @@
   <p:notesSz cx="6858000" cy="9144000"/>
   <p:embeddedFontLst>
     <p:embeddedFont>
-      <p:font typeface="Segoe UI" panose="020B0502040204020203" pitchFamily="34" charset="0"/>
+      <p:font typeface="Calibri" panose="020F0502020204030204" pitchFamily="34" charset="0"/>
       <p:regular r:id="rId32"/>
       <p:bold r:id="rId33"/>
       <p:italic r:id="rId34"/>
       <p:boldItalic r:id="rId35"/>
     </p:embeddedFont>
     <p:embeddedFont>
-      <p:font typeface="Calibri" panose="020F0502020204030204" pitchFamily="34" charset="0"/>
+      <p:font typeface="Verdana" panose="020B0604030504040204" pitchFamily="34" charset="0"/>
       <p:regular r:id="rId36"/>
       <p:bold r:id="rId37"/>
       <p:italic r:id="rId38"/>
       <p:boldItalic r:id="rId39"/>
     </p:embeddedFont>
     <p:embeddedFont>
-      <p:font typeface="Verdana" panose="020B0604030504040204" pitchFamily="34" charset="0"/>
+      <p:font typeface="Lucida Sans Unicode" panose="020B0602030504020204" pitchFamily="34" charset="0"/>
       <p:regular r:id="rId40"/>
-      <p:bold r:id="rId41"/>
-      <p:italic r:id="rId42"/>
-      <p:boldItalic r:id="rId43"/>
     </p:embeddedFont>
     <p:embeddedFont>
       <p:font typeface="Segoe Light" panose="020B0604020202020204" charset="0"/>
-      <p:regular r:id="rId44"/>
-      <p:italic r:id="rId45"/>
+      <p:regular r:id="rId41"/>
+      <p:italic r:id="rId42"/>
     </p:embeddedFont>
     <p:embeddedFont>
       <p:font typeface="Segoe UI Light" panose="020B0502040204020203" pitchFamily="34" charset="0"/>
-      <p:regular r:id="rId46"/>
-      <p:italic r:id="rId47"/>
+      <p:regular r:id="rId43"/>
+      <p:italic r:id="rId44"/>
     </p:embeddedFont>
     <p:embeddedFont>
-      <p:font typeface="Lucida Sans Unicode" panose="020B0602030504020204" pitchFamily="34" charset="0"/>
-      <p:regular r:id="rId48"/>
+      <p:font typeface="Segoe UI" panose="020B0502040204020203" pitchFamily="34" charset="0"/>
+      <p:regular r:id="rId45"/>
+      <p:bold r:id="rId46"/>
+      <p:italic r:id="rId47"/>
+      <p:boldItalic r:id="rId48"/>
     </p:embeddedFont>
   </p:embeddedFontLst>
   <p:custDataLst>
@@ -291,7 +291,7 @@
             <a:fld id="{0FE0D6E2-E463-4EF8-A813-412177C0CE4E}" type="datetimeFigureOut">
               <a:rPr lang="en-US" smtClean="0"/>
               <a:pPr/>
-              <a:t>11/28/2016</a:t>
+              <a:t>12/20/2016</a:t>
             </a:fld>
             <a:endParaRPr lang="en-US"/>
           </a:p>
@@ -15415,24 +15415,20 @@
             <a:spLocks noGrp="1"/>
           </p:cNvSpPr>
           <p:nvPr>
-            <p:ph type="ctrTitle" sz="quarter"/>
+            <p:ph type="title"/>
           </p:nvPr>
         </p:nvSpPr>
-        <p:spPr>
-          <a:xfrm>
-            <a:off x="3106782" y="3169492"/>
-            <a:ext cx="5732417" cy="340093"/>
-          </a:xfrm>
-        </p:spPr>
+        <p:spPr/>
         <p:txBody>
           <a:bodyPr/>
           <a:lstStyle/>
           <a:p>
-            <a:r>
-              <a:rPr lang="en-US" sz="2600" smtClean="0"/>
+            <a:pPr algn="ctr"/>
+            <a:r>
+              <a:rPr lang="en-US" sz="2600" dirty="0" smtClean="0"/>
               <a:t>Module08</a:t>
             </a:r>
-            <a:endParaRPr lang="en-US" sz="2600"/>
+            <a:endParaRPr lang="en-US" sz="2600" dirty="0"/>
           </a:p>
         </p:txBody>
       </p:sp>
@@ -15443,20 +15439,46 @@
             <a:spLocks noGrp="1"/>
           </p:cNvSpPr>
           <p:nvPr>
-            <p:ph type="subTitle" sz="quarter" idx="1"/>
+            <p:ph idx="1"/>
           </p:nvPr>
         </p:nvSpPr>
         <p:spPr/>
         <p:txBody>
-          <a:bodyPr/>
+          <a:bodyPr anchor="ctr"/>
           <a:lstStyle/>
           <a:p>
-            <a:r>
-              <a:rPr lang="en-US" dirty="0" smtClean="0"/>
-              <a:t>Applying Styles to ASP.NET MVC Core Web Applications
-</a:t>
-            </a:r>
-            <a:endParaRPr lang="en-US" dirty="0"/>
+            <a:pPr marL="0" indent="0" algn="ctr">
+              <a:buNone/>
+            </a:pPr>
+            <a:r>
+              <a:rPr lang="en-US" sz="4400" dirty="0" smtClean="0"/>
+              <a:t>Applying Styles to </a:t>
+            </a:r>
+            <a:endParaRPr lang="en-US" sz="4400" dirty="0" smtClean="0"/>
+          </a:p>
+          <a:p>
+            <a:pPr marL="0" indent="0" algn="ctr">
+              <a:buNone/>
+            </a:pPr>
+            <a:r>
+              <a:rPr lang="en-US" sz="4400" dirty="0" smtClean="0"/>
+              <a:t>ASP.NET </a:t>
+            </a:r>
+            <a:r>
+              <a:rPr lang="en-US" sz="4400" dirty="0" smtClean="0"/>
+              <a:t>MVC Core </a:t>
+            </a:r>
+            <a:endParaRPr lang="en-US" sz="4400" dirty="0" smtClean="0"/>
+          </a:p>
+          <a:p>
+            <a:pPr marL="0" indent="0" algn="ctr">
+              <a:buNone/>
+            </a:pPr>
+            <a:r>
+              <a:rPr lang="en-US" sz="4400" dirty="0" smtClean="0"/>
+              <a:t>Web Applications</a:t>
+            </a:r>
+            <a:endParaRPr lang="en-US" sz="4400" dirty="0"/>
           </a:p>
         </p:txBody>
       </p:sp>
@@ -16528,21 +16550,8 @@
                 <a:ea typeface="Segoe UI" pitchFamily="34" charset="0"/>
                 <a:cs typeface="Segoe UI" pitchFamily="34" charset="0"/>
               </a:rPr>
-              <a:t>You should modify the layout of the web application by using the &lt;link&gt; </a:t>
-            </a:r>
-            <a:r>
-              <a:rPr lang="en-US" sz="2400" b="0" dirty="0" smtClean="0">
-                <a:latin typeface="Segoe UI" pitchFamily="34" charset="0"/>
-                <a:ea typeface="Segoe UI" pitchFamily="34" charset="0"/>
-                <a:cs typeface="Segoe UI" pitchFamily="34" charset="0"/>
-              </a:rPr>
-              <a:t>element (tag helper)</a:t>
-            </a:r>
-            <a:endParaRPr lang="en-US" sz="2400" b="0" dirty="0" smtClean="0">
-              <a:latin typeface="Segoe UI" pitchFamily="34" charset="0"/>
-              <a:ea typeface="Segoe UI" pitchFamily="34" charset="0"/>
-              <a:cs typeface="Segoe UI" pitchFamily="34" charset="0"/>
-            </a:endParaRPr>
+              <a:t>You should modify the layout of the web application by using the &lt;link&gt; element (tag helper)</a:t>
+            </a:r>
           </a:p>
           <a:p>
             <a:pPr marL="114300" indent="-114300">
@@ -19823,10 +19832,18 @@
           <a:lstStyle/>
           <a:p>
             <a:r>
-              <a:rPr lang="en-US" smtClean="0"/>
-              <a:t>Lab: Applying Styles to MVC 4 Web Applications</a:t>
-            </a:r>
-            <a:endParaRPr lang="en-US"/>
+              <a:rPr lang="en-US" dirty="0" smtClean="0"/>
+              <a:t>Lab: Applying Styles to MVC </a:t>
+            </a:r>
+            <a:r>
+              <a:rPr lang="en-US" dirty="0" smtClean="0"/>
+              <a:t>Core </a:t>
+            </a:r>
+            <a:r>
+              <a:rPr lang="en-US" dirty="0" smtClean="0"/>
+              <a:t>Web Applications</a:t>
+            </a:r>
+            <a:endParaRPr lang="en-US" dirty="0"/>
           </a:p>
         </p:txBody>
       </p:sp>
